--- a/Research Presentation/Progress-Presentation1.pptx
+++ b/Research Presentation/Progress-Presentation1.pptx
@@ -28,35 +28,37 @@
   <p:notesSz cx="6858000" cy="9144000"/>
   <p:embeddedFontLst>
     <p:embeddedFont>
-      <p:font typeface="Raleway" charset="0"/>
+      <p:font typeface="Iskoola Pota" panose="020B0802040204020203" charset="0"/>
       <p:regular r:id="rId18"/>
       <p:bold r:id="rId19"/>
-      <p:italic r:id="rId20"/>
-      <p:boldItalic r:id="rId21"/>
     </p:embeddedFont>
     <p:embeddedFont>
-      <p:font typeface="Iskoola Pota" pitchFamily="34" charset="0"/>
-      <p:regular r:id="rId22"/>
-      <p:bold r:id="rId23"/>
+      <p:font typeface="Karla" panose="020B0604020202020204" charset="0"/>
+      <p:regular r:id="rId20"/>
+      <p:bold r:id="rId21"/>
+      <p:italic r:id="rId22"/>
+      <p:boldItalic r:id="rId23"/>
     </p:embeddedFont>
     <p:embeddedFont>
-      <p:font typeface="Calibri" pitchFamily="34" charset="0"/>
+      <p:font typeface="Calibri" panose="020F0502020204030204" pitchFamily="34" charset="0"/>
       <p:regular r:id="rId24"/>
       <p:bold r:id="rId25"/>
       <p:italic r:id="rId26"/>
       <p:boldItalic r:id="rId27"/>
     </p:embeddedFont>
     <p:embeddedFont>
-      <p:font typeface="Karla" charset="0"/>
+      <p:font typeface="Comic Sans MS" panose="030F0702030302020204" pitchFamily="66" charset="0"/>
       <p:regular r:id="rId28"/>
       <p:bold r:id="rId29"/>
       <p:italic r:id="rId30"/>
       <p:boldItalic r:id="rId31"/>
     </p:embeddedFont>
     <p:embeddedFont>
-      <p:font typeface="Comic Sans MS" pitchFamily="66" charset="0"/>
+      <p:font typeface="Raleway" panose="020B0604020202020204" charset="0"/>
       <p:regular r:id="rId32"/>
       <p:bold r:id="rId33"/>
+      <p:italic r:id="rId34"/>
+      <p:boldItalic r:id="rId35"/>
     </p:embeddedFont>
   </p:embeddedFontLst>
   <p:defaultTextStyle>
@@ -290,7 +292,7 @@
       </p14:sectionLst>
     </p:ext>
     <p:ext uri="{EFAFB233-063F-42B5-8137-9DF3F51BA10A}">
-      <p15:sldGuideLst xmlns:p15="http://schemas.microsoft.com/office/powerpoint/2012/main" xmlns="">
+      <p15:sldGuideLst xmlns:p15="http://schemas.microsoft.com/office/powerpoint/2012/main">
         <p15:guide id="1" orient="horz" pos="1620">
           <p15:clr>
             <a:srgbClr val="A4A3A4"/>
@@ -312,7 +314,7 @@
   <p:cmAuthor id="1" name="Ruvinda Ranaweera" initials="RR" lastIdx="2" clrIdx="0">
     <p:extLst>
       <p:ext uri="{19B8F6BF-5375-455C-9EA6-DF929625EA0E}">
-        <p15:presenceInfo xmlns:p15="http://schemas.microsoft.com/office/powerpoint/2012/main" xmlns="" userId="fc8280ce96d20030" providerId="Windows Live"/>
+        <p15:presenceInfo xmlns:p15="http://schemas.microsoft.com/office/powerpoint/2012/main" userId="fc8280ce96d20030" providerId="Windows Live"/>
       </p:ext>
     </p:extLst>
   </p:cmAuthor>
@@ -4595,7 +4597,7 @@
               </a:lnSpc>
             </a:pPr>
             <a:r>
-              <a:rPr lang="en-US" sz="3600" b="1" dirty="0" smtClean="0">
+              <a:rPr lang="en-US" sz="3600" b="1" smtClean="0">
                 <a:solidFill>
                   <a:schemeClr val="bg1"/>
                 </a:solidFill>
@@ -4603,7 +4605,18 @@
                 <a:ea typeface="Times New Roman" panose="02020603050405020304" pitchFamily="18" charset="0"/>
                 <a:cs typeface="Iskoola Pota" panose="020B0502040204020203" pitchFamily="34" charset="0"/>
               </a:rPr>
-              <a:t>Progress Presentation</a:t>
+              <a:t>Progress </a:t>
+            </a:r>
+            <a:r>
+              <a:rPr lang="en-US" sz="3600" b="1" smtClean="0">
+                <a:solidFill>
+                  <a:schemeClr val="bg1"/>
+                </a:solidFill>
+                <a:latin typeface="Times New Roman" panose="02020603050405020304" pitchFamily="18" charset="0"/>
+                <a:ea typeface="Times New Roman" panose="02020603050405020304" pitchFamily="18" charset="0"/>
+                <a:cs typeface="Iskoola Pota" panose="020B0502040204020203" pitchFamily="34" charset="0"/>
+              </a:rPr>
+              <a:t>Presentation 1</a:t>
             </a:r>
             <a:r>
               <a:rPr lang="en-US" sz="3600" b="1" dirty="0">
@@ -5168,15 +5181,7 @@
                   <a:srgbClr val="002060"/>
                 </a:solidFill>
               </a:rPr>
-              <a:t>Workforce </a:t>
-            </a:r>
-            <a:r>
-              <a:rPr lang="en-US" dirty="0" smtClean="0">
-                <a:solidFill>
-                  <a:srgbClr val="002060"/>
-                </a:solidFill>
-              </a:rPr>
-              <a:t>Application Development</a:t>
+              <a:t>Workforce Application Development</a:t>
             </a:r>
             <a:endParaRPr lang="en-US" dirty="0">
               <a:ln w="12700" cmpd="sng">
@@ -7232,11 +7237,7 @@
             </a:r>
             <a:r>
               <a:rPr lang="en-US" dirty="0"/>
-              <a:t> </a:t>
-            </a:r>
-            <a:r>
-              <a:rPr lang="en-US" dirty="0"/>
-              <a:t>: Ms. </a:t>
+              <a:t> : Ms. </a:t>
             </a:r>
             <a:r>
               <a:rPr lang="en-US" dirty="0" err="1"/>
@@ -7641,15 +7642,7 @@
                   <a:srgbClr val="002060"/>
                 </a:solidFill>
               </a:rPr>
-              <a:t>Identified</a:t>
-            </a:r>
-            <a:r>
-              <a:rPr lang="en-US" dirty="0" smtClean="0">
-                <a:solidFill>
-                  <a:srgbClr val="002060"/>
-                </a:solidFill>
-              </a:rPr>
-              <a:t> Problem</a:t>
+              <a:t>Identified Problem</a:t>
             </a:r>
             <a:endParaRPr lang="en" dirty="0">
               <a:solidFill>
@@ -7954,11 +7947,6 @@
               </a:rPr>
               <a:t>components</a:t>
             </a:r>
-            <a:endParaRPr lang="en-US" dirty="0">
-              <a:solidFill>
-                <a:srgbClr val="002060"/>
-              </a:solidFill>
-            </a:endParaRPr>
           </a:p>
         </p:txBody>
       </p:sp>
@@ -8547,17 +8535,7 @@
                   </a:schemeClr>
                 </a:solidFill>
               </a:rPr>
-              <a:t>	</a:t>
-            </a:r>
-            <a:r>
-              <a:rPr lang="en-US" sz="1800" dirty="0" smtClean="0">
-                <a:solidFill>
-                  <a:schemeClr val="accent1">
-                    <a:lumMod val="50000"/>
-                  </a:schemeClr>
-                </a:solidFill>
-              </a:rPr>
-              <a:t>Bin lock mechanism</a:t>
+              <a:t>	Bin lock mechanism</a:t>
             </a:r>
           </a:p>
           <a:p>
